--- a/docs/ICPS-2025-Oral-Presentation-Template.pptx
+++ b/docs/ICPS-2025-Oral-Presentation-Template.pptx
@@ -1757,7 +1757,7 @@
                   <a:schemeClr val="lt1"/>
                 </a:solidFill>
               </a:rPr>
-              <a:t> International Power Systems on Power Systems (ICPS) 2025</a:t>
+              <a:t> International Conference on Power Systems (ICPS) 2025</a:t>
             </a:r>
             <a:endParaRPr b="1" sz="2000">
               <a:solidFill>
